--- a/example/MX1X2/docs/check_connectivity.pptx
+++ b/example/MX1X2/docs/check_connectivity.pptx
@@ -289,7 +289,7 @@
           <a:p>
             <a:fld id="{B29BF0DD-F3E3-4DBD-BB31-A4E5A1F73E35}" type="datetimeFigureOut">
               <a:rPr lang="en-US" smtClean="0"/>
-              <a:t>4/8/2025</a:t>
+              <a:t>4/11/2025</a:t>
             </a:fld>
             <a:endParaRPr lang="en-US"/>
           </a:p>
@@ -459,7 +459,7 @@
           <a:p>
             <a:fld id="{B29BF0DD-F3E3-4DBD-BB31-A4E5A1F73E35}" type="datetimeFigureOut">
               <a:rPr lang="en-US" smtClean="0"/>
-              <a:t>4/8/2025</a:t>
+              <a:t>4/11/2025</a:t>
             </a:fld>
             <a:endParaRPr lang="en-US"/>
           </a:p>
@@ -639,7 +639,7 @@
           <a:p>
             <a:fld id="{B29BF0DD-F3E3-4DBD-BB31-A4E5A1F73E35}" type="datetimeFigureOut">
               <a:rPr lang="en-US" smtClean="0"/>
-              <a:t>4/8/2025</a:t>
+              <a:t>4/11/2025</a:t>
             </a:fld>
             <a:endParaRPr lang="en-US"/>
           </a:p>
@@ -809,7 +809,7 @@
           <a:p>
             <a:fld id="{B29BF0DD-F3E3-4DBD-BB31-A4E5A1F73E35}" type="datetimeFigureOut">
               <a:rPr lang="en-US" smtClean="0"/>
-              <a:t>4/8/2025</a:t>
+              <a:t>4/11/2025</a:t>
             </a:fld>
             <a:endParaRPr lang="en-US"/>
           </a:p>
@@ -1055,7 +1055,7 @@
           <a:p>
             <a:fld id="{B29BF0DD-F3E3-4DBD-BB31-A4E5A1F73E35}" type="datetimeFigureOut">
               <a:rPr lang="en-US" smtClean="0"/>
-              <a:t>4/8/2025</a:t>
+              <a:t>4/11/2025</a:t>
             </a:fld>
             <a:endParaRPr lang="en-US"/>
           </a:p>
@@ -1343,7 +1343,7 @@
           <a:p>
             <a:fld id="{B29BF0DD-F3E3-4DBD-BB31-A4E5A1F73E35}" type="datetimeFigureOut">
               <a:rPr lang="en-US" smtClean="0"/>
-              <a:t>4/8/2025</a:t>
+              <a:t>4/11/2025</a:t>
             </a:fld>
             <a:endParaRPr lang="en-US"/>
           </a:p>
@@ -1765,7 +1765,7 @@
           <a:p>
             <a:fld id="{B29BF0DD-F3E3-4DBD-BB31-A4E5A1F73E35}" type="datetimeFigureOut">
               <a:rPr lang="en-US" smtClean="0"/>
-              <a:t>4/8/2025</a:t>
+              <a:t>4/11/2025</a:t>
             </a:fld>
             <a:endParaRPr lang="en-US"/>
           </a:p>
@@ -1883,7 +1883,7 @@
           <a:p>
             <a:fld id="{B29BF0DD-F3E3-4DBD-BB31-A4E5A1F73E35}" type="datetimeFigureOut">
               <a:rPr lang="en-US" smtClean="0"/>
-              <a:t>4/8/2025</a:t>
+              <a:t>4/11/2025</a:t>
             </a:fld>
             <a:endParaRPr lang="en-US"/>
           </a:p>
@@ -1978,7 +1978,7 @@
           <a:p>
             <a:fld id="{B29BF0DD-F3E3-4DBD-BB31-A4E5A1F73E35}" type="datetimeFigureOut">
               <a:rPr lang="en-US" smtClean="0"/>
-              <a:t>4/8/2025</a:t>
+              <a:t>4/11/2025</a:t>
             </a:fld>
             <a:endParaRPr lang="en-US"/>
           </a:p>
@@ -2255,7 +2255,7 @@
           <a:p>
             <a:fld id="{B29BF0DD-F3E3-4DBD-BB31-A4E5A1F73E35}" type="datetimeFigureOut">
               <a:rPr lang="en-US" smtClean="0"/>
-              <a:t>4/8/2025</a:t>
+              <a:t>4/11/2025</a:t>
             </a:fld>
             <a:endParaRPr lang="en-US"/>
           </a:p>
@@ -2508,7 +2508,7 @@
           <a:p>
             <a:fld id="{B29BF0DD-F3E3-4DBD-BB31-A4E5A1F73E35}" type="datetimeFigureOut">
               <a:rPr lang="en-US" smtClean="0"/>
-              <a:t>4/8/2025</a:t>
+              <a:t>4/11/2025</a:t>
             </a:fld>
             <a:endParaRPr lang="en-US"/>
           </a:p>
@@ -2721,7 +2721,7 @@
           <a:p>
             <a:fld id="{B29BF0DD-F3E3-4DBD-BB31-A4E5A1F73E35}" type="datetimeFigureOut">
               <a:rPr lang="en-US" smtClean="0"/>
-              <a:t>4/8/2025</a:t>
+              <a:t>4/11/2025</a:t>
             </a:fld>
             <a:endParaRPr lang="en-US"/>
           </a:p>
@@ -3119,7 +3119,7 @@
         </p:blipFill>
         <p:spPr bwMode="auto">
           <a:xfrm>
-            <a:off x="657225" y="793750"/>
+            <a:off x="452359" y="793750"/>
             <a:ext cx="2342821" cy="2286100"/>
           </a:xfrm>
           <a:prstGeom prst="rect">
@@ -3178,7 +3178,7 @@
         </p:blipFill>
         <p:spPr bwMode="auto">
           <a:xfrm>
-            <a:off x="629536" y="3932987"/>
+            <a:off x="399931" y="4599737"/>
             <a:ext cx="3109407" cy="1790648"/>
           </a:xfrm>
           <a:prstGeom prst="rect">
@@ -3219,1896 +3219,6 @@
           </a:extLst>
         </p:spPr>
       </p:pic>
-      <p:cxnSp>
-        <p:nvCxnSpPr>
-          <p:cNvPr id="12" name="Straight Connector 11"/>
-          <p:cNvCxnSpPr/>
-          <p:nvPr/>
-        </p:nvCxnSpPr>
-        <p:spPr>
-          <a:xfrm>
-            <a:off x="908050" y="974725"/>
-            <a:ext cx="234950" cy="190500"/>
-          </a:xfrm>
-          <a:prstGeom prst="line">
-            <a:avLst/>
-          </a:prstGeom>
-          <a:ln>
-            <a:solidFill>
-              <a:srgbClr val="0070C0"/>
-            </a:solidFill>
-          </a:ln>
-        </p:spPr>
-        <p:style>
-          <a:lnRef idx="1">
-            <a:schemeClr val="accent1"/>
-          </a:lnRef>
-          <a:fillRef idx="0">
-            <a:schemeClr val="accent1"/>
-          </a:fillRef>
-          <a:effectRef idx="0">
-            <a:schemeClr val="accent1"/>
-          </a:effectRef>
-          <a:fontRef idx="minor">
-            <a:schemeClr val="tx1"/>
-          </a:fontRef>
-        </p:style>
-      </p:cxnSp>
-      <p:cxnSp>
-        <p:nvCxnSpPr>
-          <p:cNvPr id="14" name="Straight Connector 13"/>
-          <p:cNvCxnSpPr/>
-          <p:nvPr/>
-        </p:nvCxnSpPr>
-        <p:spPr>
-          <a:xfrm>
-            <a:off x="908050" y="974725"/>
-            <a:ext cx="161925" cy="244475"/>
-          </a:xfrm>
-          <a:prstGeom prst="line">
-            <a:avLst/>
-          </a:prstGeom>
-          <a:ln>
-            <a:solidFill>
-              <a:srgbClr val="0070C0"/>
-            </a:solidFill>
-          </a:ln>
-        </p:spPr>
-        <p:style>
-          <a:lnRef idx="1">
-            <a:schemeClr val="accent1"/>
-          </a:lnRef>
-          <a:fillRef idx="0">
-            <a:schemeClr val="accent1"/>
-          </a:fillRef>
-          <a:effectRef idx="0">
-            <a:schemeClr val="accent1"/>
-          </a:effectRef>
-          <a:fontRef idx="minor">
-            <a:schemeClr val="tx1"/>
-          </a:fontRef>
-        </p:style>
-      </p:cxnSp>
-      <p:cxnSp>
-        <p:nvCxnSpPr>
-          <p:cNvPr id="18" name="Straight Connector 17"/>
-          <p:cNvCxnSpPr/>
-          <p:nvPr/>
-        </p:nvCxnSpPr>
-        <p:spPr>
-          <a:xfrm flipH="1">
-            <a:off x="1228725" y="2197100"/>
-            <a:ext cx="146050" cy="352425"/>
-          </a:xfrm>
-          <a:prstGeom prst="line">
-            <a:avLst/>
-          </a:prstGeom>
-          <a:ln>
-            <a:solidFill>
-              <a:srgbClr val="0070C0"/>
-            </a:solidFill>
-          </a:ln>
-        </p:spPr>
-        <p:style>
-          <a:lnRef idx="1">
-            <a:schemeClr val="accent1"/>
-          </a:lnRef>
-          <a:fillRef idx="0">
-            <a:schemeClr val="accent1"/>
-          </a:fillRef>
-          <a:effectRef idx="0">
-            <a:schemeClr val="accent1"/>
-          </a:effectRef>
-          <a:fontRef idx="minor">
-            <a:schemeClr val="tx1"/>
-          </a:fontRef>
-        </p:style>
-      </p:cxnSp>
-      <p:cxnSp>
-        <p:nvCxnSpPr>
-          <p:cNvPr id="20" name="Straight Connector 19"/>
-          <p:cNvCxnSpPr/>
-          <p:nvPr/>
-        </p:nvCxnSpPr>
-        <p:spPr>
-          <a:xfrm flipH="1">
-            <a:off x="1228725" y="2251075"/>
-            <a:ext cx="73025" cy="298450"/>
-          </a:xfrm>
-          <a:prstGeom prst="line">
-            <a:avLst/>
-          </a:prstGeom>
-          <a:ln>
-            <a:solidFill>
-              <a:srgbClr val="0070C0"/>
-            </a:solidFill>
-          </a:ln>
-        </p:spPr>
-        <p:style>
-          <a:lnRef idx="1">
-            <a:schemeClr val="accent1"/>
-          </a:lnRef>
-          <a:fillRef idx="0">
-            <a:schemeClr val="accent1"/>
-          </a:fillRef>
-          <a:effectRef idx="0">
-            <a:schemeClr val="accent1"/>
-          </a:effectRef>
-          <a:fontRef idx="minor">
-            <a:schemeClr val="tx1"/>
-          </a:fontRef>
-        </p:style>
-      </p:cxnSp>
-      <p:cxnSp>
-        <p:nvCxnSpPr>
-          <p:cNvPr id="22" name="Straight Connector 21"/>
-          <p:cNvCxnSpPr/>
-          <p:nvPr/>
-        </p:nvCxnSpPr>
-        <p:spPr>
-          <a:xfrm flipH="1">
-            <a:off x="2146300" y="1482725"/>
-            <a:ext cx="257175" cy="31750"/>
-          </a:xfrm>
-          <a:prstGeom prst="line">
-            <a:avLst/>
-          </a:prstGeom>
-          <a:ln>
-            <a:solidFill>
-              <a:srgbClr val="0070C0"/>
-            </a:solidFill>
-          </a:ln>
-        </p:spPr>
-        <p:style>
-          <a:lnRef idx="1">
-            <a:schemeClr val="accent1"/>
-          </a:lnRef>
-          <a:fillRef idx="0">
-            <a:schemeClr val="accent1"/>
-          </a:fillRef>
-          <a:effectRef idx="0">
-            <a:schemeClr val="accent1"/>
-          </a:effectRef>
-          <a:fontRef idx="minor">
-            <a:schemeClr val="tx1"/>
-          </a:fontRef>
-        </p:style>
-      </p:cxnSp>
-      <p:cxnSp>
-        <p:nvCxnSpPr>
-          <p:cNvPr id="24" name="Straight Connector 23"/>
-          <p:cNvCxnSpPr/>
-          <p:nvPr/>
-        </p:nvCxnSpPr>
-        <p:spPr>
-          <a:xfrm flipH="1">
-            <a:off x="2101850" y="1482725"/>
-            <a:ext cx="301625" cy="73025"/>
-          </a:xfrm>
-          <a:prstGeom prst="line">
-            <a:avLst/>
-          </a:prstGeom>
-          <a:ln>
-            <a:solidFill>
-              <a:srgbClr val="0070C0"/>
-            </a:solidFill>
-          </a:ln>
-        </p:spPr>
-        <p:style>
-          <a:lnRef idx="1">
-            <a:schemeClr val="accent1"/>
-          </a:lnRef>
-          <a:fillRef idx="0">
-            <a:schemeClr val="accent1"/>
-          </a:fillRef>
-          <a:effectRef idx="0">
-            <a:schemeClr val="accent1"/>
-          </a:effectRef>
-          <a:fontRef idx="minor">
-            <a:schemeClr val="tx1"/>
-          </a:fontRef>
-        </p:style>
-      </p:cxnSp>
-      <p:cxnSp>
-        <p:nvCxnSpPr>
-          <p:cNvPr id="26" name="Straight Connector 25"/>
-          <p:cNvCxnSpPr/>
-          <p:nvPr/>
-        </p:nvCxnSpPr>
-        <p:spPr>
-          <a:xfrm flipH="1">
-            <a:off x="1025525" y="1165225"/>
-            <a:ext cx="139700" cy="317500"/>
-          </a:xfrm>
-          <a:prstGeom prst="line">
-            <a:avLst/>
-          </a:prstGeom>
-          <a:ln>
-            <a:solidFill>
-              <a:srgbClr val="0070C0"/>
-            </a:solidFill>
-          </a:ln>
-        </p:spPr>
-        <p:style>
-          <a:lnRef idx="1">
-            <a:schemeClr val="accent1"/>
-          </a:lnRef>
-          <a:fillRef idx="0">
-            <a:schemeClr val="accent1"/>
-          </a:fillRef>
-          <a:effectRef idx="0">
-            <a:schemeClr val="accent1"/>
-          </a:effectRef>
-          <a:fontRef idx="minor">
-            <a:schemeClr val="tx1"/>
-          </a:fontRef>
-        </p:style>
-      </p:cxnSp>
-      <p:cxnSp>
-        <p:nvCxnSpPr>
-          <p:cNvPr id="29" name="Straight Connector 28"/>
-          <p:cNvCxnSpPr/>
-          <p:nvPr/>
-        </p:nvCxnSpPr>
-        <p:spPr>
-          <a:xfrm flipH="1">
-            <a:off x="1162050" y="1143000"/>
-            <a:ext cx="254000" cy="22225"/>
-          </a:xfrm>
-          <a:prstGeom prst="line">
-            <a:avLst/>
-          </a:prstGeom>
-          <a:ln>
-            <a:solidFill>
-              <a:srgbClr val="0070C0"/>
-            </a:solidFill>
-          </a:ln>
-        </p:spPr>
-        <p:style>
-          <a:lnRef idx="1">
-            <a:schemeClr val="accent1"/>
-          </a:lnRef>
-          <a:fillRef idx="0">
-            <a:schemeClr val="accent1"/>
-          </a:fillRef>
-          <a:effectRef idx="0">
-            <a:schemeClr val="accent1"/>
-          </a:effectRef>
-          <a:fontRef idx="minor">
-            <a:schemeClr val="tx1"/>
-          </a:fontRef>
-        </p:style>
-      </p:cxnSp>
-      <p:cxnSp>
-        <p:nvCxnSpPr>
-          <p:cNvPr id="31" name="Straight Connector 30"/>
-          <p:cNvCxnSpPr/>
-          <p:nvPr/>
-        </p:nvCxnSpPr>
-        <p:spPr>
-          <a:xfrm flipV="1">
-            <a:off x="1025525" y="1217612"/>
-            <a:ext cx="44450" cy="280988"/>
-          </a:xfrm>
-          <a:prstGeom prst="line">
-            <a:avLst/>
-          </a:prstGeom>
-          <a:ln>
-            <a:solidFill>
-              <a:srgbClr val="0070C0"/>
-            </a:solidFill>
-          </a:ln>
-        </p:spPr>
-        <p:style>
-          <a:lnRef idx="1">
-            <a:schemeClr val="accent1"/>
-          </a:lnRef>
-          <a:fillRef idx="0">
-            <a:schemeClr val="accent1"/>
-          </a:fillRef>
-          <a:effectRef idx="0">
-            <a:schemeClr val="accent1"/>
-          </a:effectRef>
-          <a:fontRef idx="minor">
-            <a:schemeClr val="tx1"/>
-          </a:fontRef>
-        </p:style>
-      </p:cxnSp>
-      <p:cxnSp>
-        <p:nvCxnSpPr>
-          <p:cNvPr id="33" name="Straight Connector 32"/>
-          <p:cNvCxnSpPr/>
-          <p:nvPr/>
-        </p:nvCxnSpPr>
-        <p:spPr>
-          <a:xfrm flipV="1">
-            <a:off x="1069975" y="1143000"/>
-            <a:ext cx="346075" cy="74612"/>
-          </a:xfrm>
-          <a:prstGeom prst="line">
-            <a:avLst/>
-          </a:prstGeom>
-          <a:ln>
-            <a:solidFill>
-              <a:srgbClr val="0070C0"/>
-            </a:solidFill>
-          </a:ln>
-        </p:spPr>
-        <p:style>
-          <a:lnRef idx="1">
-            <a:schemeClr val="accent1"/>
-          </a:lnRef>
-          <a:fillRef idx="0">
-            <a:schemeClr val="accent1"/>
-          </a:fillRef>
-          <a:effectRef idx="0">
-            <a:schemeClr val="accent1"/>
-          </a:effectRef>
-          <a:fontRef idx="minor">
-            <a:schemeClr val="tx1"/>
-          </a:fontRef>
-        </p:style>
-      </p:cxnSp>
-      <p:cxnSp>
-        <p:nvCxnSpPr>
-          <p:cNvPr id="36" name="Straight Connector 35"/>
-          <p:cNvCxnSpPr/>
-          <p:nvPr/>
-        </p:nvCxnSpPr>
-        <p:spPr>
-          <a:xfrm flipH="1" flipV="1">
-            <a:off x="1016000" y="1493837"/>
-            <a:ext cx="249237" cy="192088"/>
-          </a:xfrm>
-          <a:prstGeom prst="line">
-            <a:avLst/>
-          </a:prstGeom>
-          <a:ln>
-            <a:solidFill>
-              <a:srgbClr val="0070C0"/>
-            </a:solidFill>
-          </a:ln>
-        </p:spPr>
-        <p:style>
-          <a:lnRef idx="1">
-            <a:schemeClr val="accent1"/>
-          </a:lnRef>
-          <a:fillRef idx="0">
-            <a:schemeClr val="accent1"/>
-          </a:fillRef>
-          <a:effectRef idx="0">
-            <a:schemeClr val="accent1"/>
-          </a:effectRef>
-          <a:fontRef idx="minor">
-            <a:schemeClr val="tx1"/>
-          </a:fontRef>
-        </p:style>
-      </p:cxnSp>
-      <p:cxnSp>
-        <p:nvCxnSpPr>
-          <p:cNvPr id="38" name="Straight Connector 37"/>
-          <p:cNvCxnSpPr/>
-          <p:nvPr/>
-        </p:nvCxnSpPr>
-        <p:spPr>
-          <a:xfrm flipH="1" flipV="1">
-            <a:off x="993776" y="1482725"/>
-            <a:ext cx="200024" cy="244475"/>
-          </a:xfrm>
-          <a:prstGeom prst="line">
-            <a:avLst/>
-          </a:prstGeom>
-          <a:ln>
-            <a:solidFill>
-              <a:srgbClr val="0070C0"/>
-            </a:solidFill>
-          </a:ln>
-        </p:spPr>
-        <p:style>
-          <a:lnRef idx="1">
-            <a:schemeClr val="accent1"/>
-          </a:lnRef>
-          <a:fillRef idx="0">
-            <a:schemeClr val="accent1"/>
-          </a:fillRef>
-          <a:effectRef idx="0">
-            <a:schemeClr val="accent1"/>
-          </a:effectRef>
-          <a:fontRef idx="minor">
-            <a:schemeClr val="tx1"/>
-          </a:fontRef>
-        </p:style>
-      </p:cxnSp>
-      <p:cxnSp>
-        <p:nvCxnSpPr>
-          <p:cNvPr id="40" name="Straight Connector 39"/>
-          <p:cNvCxnSpPr/>
-          <p:nvPr/>
-        </p:nvCxnSpPr>
-        <p:spPr>
-          <a:xfrm flipV="1">
-            <a:off x="2252662" y="1798637"/>
-            <a:ext cx="201614" cy="220663"/>
-          </a:xfrm>
-          <a:prstGeom prst="line">
-            <a:avLst/>
-          </a:prstGeom>
-          <a:ln>
-            <a:solidFill>
-              <a:srgbClr val="0070C0"/>
-            </a:solidFill>
-          </a:ln>
-        </p:spPr>
-        <p:style>
-          <a:lnRef idx="1">
-            <a:schemeClr val="accent1"/>
-          </a:lnRef>
-          <a:fillRef idx="0">
-            <a:schemeClr val="accent1"/>
-          </a:fillRef>
-          <a:effectRef idx="0">
-            <a:schemeClr val="accent1"/>
-          </a:effectRef>
-          <a:fontRef idx="minor">
-            <a:schemeClr val="tx1"/>
-          </a:fontRef>
-        </p:style>
-      </p:cxnSp>
-      <p:cxnSp>
-        <p:nvCxnSpPr>
-          <p:cNvPr id="42" name="Straight Connector 41"/>
-          <p:cNvCxnSpPr/>
-          <p:nvPr/>
-        </p:nvCxnSpPr>
-        <p:spPr>
-          <a:xfrm flipV="1">
-            <a:off x="2184239" y="1798637"/>
-            <a:ext cx="277181" cy="265113"/>
-          </a:xfrm>
-          <a:prstGeom prst="line">
-            <a:avLst/>
-          </a:prstGeom>
-          <a:ln>
-            <a:solidFill>
-              <a:srgbClr val="0070C0"/>
-            </a:solidFill>
-          </a:ln>
-        </p:spPr>
-        <p:style>
-          <a:lnRef idx="1">
-            <a:schemeClr val="accent1"/>
-          </a:lnRef>
-          <a:fillRef idx="0">
-            <a:schemeClr val="accent1"/>
-          </a:fillRef>
-          <a:effectRef idx="0">
-            <a:schemeClr val="accent1"/>
-          </a:effectRef>
-          <a:fontRef idx="minor">
-            <a:schemeClr val="tx1"/>
-          </a:fontRef>
-        </p:style>
-      </p:cxnSp>
-      <p:cxnSp>
-        <p:nvCxnSpPr>
-          <p:cNvPr id="44" name="Straight Connector 43"/>
-          <p:cNvCxnSpPr/>
-          <p:nvPr/>
-        </p:nvCxnSpPr>
-        <p:spPr>
-          <a:xfrm flipV="1">
-            <a:off x="1140618" y="1685925"/>
-            <a:ext cx="122239" cy="333375"/>
-          </a:xfrm>
-          <a:prstGeom prst="line">
-            <a:avLst/>
-          </a:prstGeom>
-          <a:ln>
-            <a:solidFill>
-              <a:srgbClr val="0070C0"/>
-            </a:solidFill>
-          </a:ln>
-        </p:spPr>
-        <p:style>
-          <a:lnRef idx="1">
-            <a:schemeClr val="accent1"/>
-          </a:lnRef>
-          <a:fillRef idx="0">
-            <a:schemeClr val="accent1"/>
-          </a:fillRef>
-          <a:effectRef idx="0">
-            <a:schemeClr val="accent1"/>
-          </a:effectRef>
-          <a:fontRef idx="minor">
-            <a:schemeClr val="tx1"/>
-          </a:fontRef>
-        </p:style>
-      </p:cxnSp>
-      <p:cxnSp>
-        <p:nvCxnSpPr>
-          <p:cNvPr id="46" name="Straight Connector 45"/>
-          <p:cNvCxnSpPr/>
-          <p:nvPr/>
-        </p:nvCxnSpPr>
-        <p:spPr>
-          <a:xfrm flipH="1">
-            <a:off x="1265238" y="1644650"/>
-            <a:ext cx="274637" cy="41275"/>
-          </a:xfrm>
-          <a:prstGeom prst="line">
-            <a:avLst/>
-          </a:prstGeom>
-          <a:ln>
-            <a:solidFill>
-              <a:srgbClr val="0070C0"/>
-            </a:solidFill>
-          </a:ln>
-        </p:spPr>
-        <p:style>
-          <a:lnRef idx="1">
-            <a:schemeClr val="accent1"/>
-          </a:lnRef>
-          <a:fillRef idx="0">
-            <a:schemeClr val="accent1"/>
-          </a:fillRef>
-          <a:effectRef idx="0">
-            <a:schemeClr val="accent1"/>
-          </a:effectRef>
-          <a:fontRef idx="minor">
-            <a:schemeClr val="tx1"/>
-          </a:fontRef>
-        </p:style>
-      </p:cxnSp>
-      <p:cxnSp>
-        <p:nvCxnSpPr>
-          <p:cNvPr id="49" name="Straight Connector 48"/>
-          <p:cNvCxnSpPr/>
-          <p:nvPr/>
-        </p:nvCxnSpPr>
-        <p:spPr>
-          <a:xfrm flipV="1">
-            <a:off x="1140618" y="1714499"/>
-            <a:ext cx="53183" cy="304801"/>
-          </a:xfrm>
-          <a:prstGeom prst="line">
-            <a:avLst/>
-          </a:prstGeom>
-          <a:ln>
-            <a:solidFill>
-              <a:srgbClr val="0070C0"/>
-            </a:solidFill>
-          </a:ln>
-        </p:spPr>
-        <p:style>
-          <a:lnRef idx="1">
-            <a:schemeClr val="accent1"/>
-          </a:lnRef>
-          <a:fillRef idx="0">
-            <a:schemeClr val="accent1"/>
-          </a:fillRef>
-          <a:effectRef idx="0">
-            <a:schemeClr val="accent1"/>
-          </a:effectRef>
-          <a:fontRef idx="minor">
-            <a:schemeClr val="tx1"/>
-          </a:fontRef>
-        </p:style>
-      </p:cxnSp>
-      <p:cxnSp>
-        <p:nvCxnSpPr>
-          <p:cNvPr id="51" name="Straight Connector 50"/>
-          <p:cNvCxnSpPr/>
-          <p:nvPr/>
-        </p:nvCxnSpPr>
-        <p:spPr>
-          <a:xfrm flipV="1">
-            <a:off x="1167209" y="1644651"/>
-            <a:ext cx="372666" cy="69848"/>
-          </a:xfrm>
-          <a:prstGeom prst="line">
-            <a:avLst/>
-          </a:prstGeom>
-          <a:ln>
-            <a:solidFill>
-              <a:srgbClr val="0070C0"/>
-            </a:solidFill>
-          </a:ln>
-        </p:spPr>
-        <p:style>
-          <a:lnRef idx="1">
-            <a:schemeClr val="accent1"/>
-          </a:lnRef>
-          <a:fillRef idx="0">
-            <a:schemeClr val="accent1"/>
-          </a:fillRef>
-          <a:effectRef idx="0">
-            <a:schemeClr val="accent1"/>
-          </a:effectRef>
-          <a:fontRef idx="minor">
-            <a:schemeClr val="tx1"/>
-          </a:fontRef>
-        </p:style>
-      </p:cxnSp>
-      <p:cxnSp>
-        <p:nvCxnSpPr>
-          <p:cNvPr id="54" name="Straight Connector 53"/>
-          <p:cNvCxnSpPr/>
-          <p:nvPr/>
-        </p:nvCxnSpPr>
-        <p:spPr>
-          <a:xfrm>
-            <a:off x="1133276" y="2012950"/>
-            <a:ext cx="241499" cy="184150"/>
-          </a:xfrm>
-          <a:prstGeom prst="line">
-            <a:avLst/>
-          </a:prstGeom>
-          <a:ln>
-            <a:solidFill>
-              <a:srgbClr val="0070C0"/>
-            </a:solidFill>
-          </a:ln>
-        </p:spPr>
-        <p:style>
-          <a:lnRef idx="1">
-            <a:schemeClr val="accent1"/>
-          </a:lnRef>
-          <a:fillRef idx="0">
-            <a:schemeClr val="accent1"/>
-          </a:fillRef>
-          <a:effectRef idx="0">
-            <a:schemeClr val="accent1"/>
-          </a:effectRef>
-          <a:fontRef idx="minor">
-            <a:schemeClr val="tx1"/>
-          </a:fontRef>
-        </p:style>
-      </p:cxnSp>
-      <p:cxnSp>
-        <p:nvCxnSpPr>
-          <p:cNvPr id="56" name="Straight Connector 55"/>
-          <p:cNvCxnSpPr/>
-          <p:nvPr/>
-        </p:nvCxnSpPr>
-        <p:spPr>
-          <a:xfrm>
-            <a:off x="1140618" y="2006600"/>
-            <a:ext cx="161132" cy="222250"/>
-          </a:xfrm>
-          <a:prstGeom prst="line">
-            <a:avLst/>
-          </a:prstGeom>
-          <a:ln>
-            <a:solidFill>
-              <a:srgbClr val="0070C0"/>
-            </a:solidFill>
-          </a:ln>
-        </p:spPr>
-        <p:style>
-          <a:lnRef idx="1">
-            <a:schemeClr val="accent1"/>
-          </a:lnRef>
-          <a:fillRef idx="0">
-            <a:schemeClr val="accent1"/>
-          </a:fillRef>
-          <a:effectRef idx="0">
-            <a:schemeClr val="accent1"/>
-          </a:effectRef>
-          <a:fontRef idx="minor">
-            <a:schemeClr val="tx1"/>
-          </a:fontRef>
-        </p:style>
-      </p:cxnSp>
-      <p:cxnSp>
-        <p:nvCxnSpPr>
-          <p:cNvPr id="58" name="Straight Connector 57"/>
-          <p:cNvCxnSpPr/>
-          <p:nvPr/>
-        </p:nvCxnSpPr>
-        <p:spPr>
-          <a:xfrm flipH="1">
-            <a:off x="2353469" y="2400300"/>
-            <a:ext cx="241299" cy="149225"/>
-          </a:xfrm>
-          <a:prstGeom prst="line">
-            <a:avLst/>
-          </a:prstGeom>
-          <a:ln>
-            <a:solidFill>
-              <a:srgbClr val="0070C0"/>
-            </a:solidFill>
-          </a:ln>
-        </p:spPr>
-        <p:style>
-          <a:lnRef idx="1">
-            <a:schemeClr val="accent1"/>
-          </a:lnRef>
-          <a:fillRef idx="0">
-            <a:schemeClr val="accent1"/>
-          </a:fillRef>
-          <a:effectRef idx="0">
-            <a:schemeClr val="accent1"/>
-          </a:effectRef>
-          <a:fontRef idx="minor">
-            <a:schemeClr val="tx1"/>
-          </a:fontRef>
-        </p:style>
-      </p:cxnSp>
-      <p:cxnSp>
-        <p:nvCxnSpPr>
-          <p:cNvPr id="60" name="Straight Connector 59"/>
-          <p:cNvCxnSpPr/>
-          <p:nvPr/>
-        </p:nvCxnSpPr>
-        <p:spPr>
-          <a:xfrm flipH="1">
-            <a:off x="2322829" y="2400300"/>
-            <a:ext cx="271939" cy="209550"/>
-          </a:xfrm>
-          <a:prstGeom prst="line">
-            <a:avLst/>
-          </a:prstGeom>
-          <a:ln>
-            <a:solidFill>
-              <a:srgbClr val="0070C0"/>
-            </a:solidFill>
-          </a:ln>
-        </p:spPr>
-        <p:style>
-          <a:lnRef idx="1">
-            <a:schemeClr val="accent1"/>
-          </a:lnRef>
-          <a:fillRef idx="0">
-            <a:schemeClr val="accent1"/>
-          </a:fillRef>
-          <a:effectRef idx="0">
-            <a:schemeClr val="accent1"/>
-          </a:effectRef>
-          <a:fontRef idx="minor">
-            <a:schemeClr val="tx1"/>
-          </a:fontRef>
-        </p:style>
-      </p:cxnSp>
-      <p:cxnSp>
-        <p:nvCxnSpPr>
-          <p:cNvPr id="63" name="Straight Connector 62"/>
-          <p:cNvCxnSpPr/>
-          <p:nvPr/>
-        </p:nvCxnSpPr>
-        <p:spPr>
-          <a:xfrm flipH="1">
-            <a:off x="1374776" y="2165350"/>
-            <a:ext cx="271938" cy="34925"/>
-          </a:xfrm>
-          <a:prstGeom prst="line">
-            <a:avLst/>
-          </a:prstGeom>
-          <a:ln>
-            <a:solidFill>
-              <a:srgbClr val="0070C0"/>
-            </a:solidFill>
-          </a:ln>
-        </p:spPr>
-        <p:style>
-          <a:lnRef idx="1">
-            <a:schemeClr val="accent1"/>
-          </a:lnRef>
-          <a:fillRef idx="0">
-            <a:schemeClr val="accent1"/>
-          </a:fillRef>
-          <a:effectRef idx="0">
-            <a:schemeClr val="accent1"/>
-          </a:effectRef>
-          <a:fontRef idx="minor">
-            <a:schemeClr val="tx1"/>
-          </a:fontRef>
-        </p:style>
-      </p:cxnSp>
-      <p:cxnSp>
-        <p:nvCxnSpPr>
-          <p:cNvPr id="65" name="Straight Connector 64"/>
-          <p:cNvCxnSpPr/>
-          <p:nvPr/>
-        </p:nvCxnSpPr>
-        <p:spPr>
-          <a:xfrm flipH="1">
-            <a:off x="1301750" y="2165350"/>
-            <a:ext cx="344964" cy="69850"/>
-          </a:xfrm>
-          <a:prstGeom prst="line">
-            <a:avLst/>
-          </a:prstGeom>
-          <a:ln>
-            <a:solidFill>
-              <a:srgbClr val="0070C0"/>
-            </a:solidFill>
-          </a:ln>
-        </p:spPr>
-        <p:style>
-          <a:lnRef idx="1">
-            <a:schemeClr val="accent1"/>
-          </a:lnRef>
-          <a:fillRef idx="0">
-            <a:schemeClr val="accent1"/>
-          </a:fillRef>
-          <a:effectRef idx="0">
-            <a:schemeClr val="accent1"/>
-          </a:effectRef>
-          <a:fontRef idx="minor">
-            <a:schemeClr val="tx1"/>
-          </a:fontRef>
-        </p:style>
-      </p:cxnSp>
-      <p:cxnSp>
-        <p:nvCxnSpPr>
-          <p:cNvPr id="67" name="Straight Connector 66"/>
-          <p:cNvCxnSpPr/>
-          <p:nvPr/>
-        </p:nvCxnSpPr>
-        <p:spPr>
-          <a:xfrm flipH="1" flipV="1">
-            <a:off x="1402556" y="1146175"/>
-            <a:ext cx="244158" cy="177800"/>
-          </a:xfrm>
-          <a:prstGeom prst="line">
-            <a:avLst/>
-          </a:prstGeom>
-          <a:ln>
-            <a:solidFill>
-              <a:srgbClr val="0070C0"/>
-            </a:solidFill>
-          </a:ln>
-        </p:spPr>
-        <p:style>
-          <a:lnRef idx="1">
-            <a:schemeClr val="accent1"/>
-          </a:lnRef>
-          <a:fillRef idx="0">
-            <a:schemeClr val="accent1"/>
-          </a:fillRef>
-          <a:effectRef idx="0">
-            <a:schemeClr val="accent1"/>
-          </a:effectRef>
-          <a:fontRef idx="minor">
-            <a:schemeClr val="tx1"/>
-          </a:fontRef>
-        </p:style>
-      </p:cxnSp>
-      <p:cxnSp>
-        <p:nvCxnSpPr>
-          <p:cNvPr id="69" name="Straight Connector 68"/>
-          <p:cNvCxnSpPr/>
-          <p:nvPr/>
-        </p:nvCxnSpPr>
-        <p:spPr>
-          <a:xfrm flipH="1" flipV="1">
-            <a:off x="1388666" y="1143000"/>
-            <a:ext cx="214709" cy="241300"/>
-          </a:xfrm>
-          <a:prstGeom prst="line">
-            <a:avLst/>
-          </a:prstGeom>
-          <a:ln>
-            <a:solidFill>
-              <a:srgbClr val="0070C0"/>
-            </a:solidFill>
-          </a:ln>
-        </p:spPr>
-        <p:style>
-          <a:lnRef idx="1">
-            <a:schemeClr val="accent1"/>
-          </a:lnRef>
-          <a:fillRef idx="0">
-            <a:schemeClr val="accent1"/>
-          </a:fillRef>
-          <a:effectRef idx="0">
-            <a:schemeClr val="accent1"/>
-          </a:effectRef>
-          <a:fontRef idx="minor">
-            <a:schemeClr val="tx1"/>
-          </a:fontRef>
-        </p:style>
-      </p:cxnSp>
-      <p:cxnSp>
-        <p:nvCxnSpPr>
-          <p:cNvPr id="71" name="Straight Connector 70"/>
-          <p:cNvCxnSpPr/>
-          <p:nvPr/>
-        </p:nvCxnSpPr>
-        <p:spPr>
-          <a:xfrm flipH="1">
-            <a:off x="1603376" y="2373312"/>
-            <a:ext cx="273049" cy="284163"/>
-          </a:xfrm>
-          <a:prstGeom prst="line">
-            <a:avLst/>
-          </a:prstGeom>
-          <a:ln>
-            <a:solidFill>
-              <a:srgbClr val="0070C0"/>
-            </a:solidFill>
-          </a:ln>
-        </p:spPr>
-        <p:style>
-          <a:lnRef idx="1">
-            <a:schemeClr val="accent1"/>
-          </a:lnRef>
-          <a:fillRef idx="0">
-            <a:schemeClr val="accent1"/>
-          </a:fillRef>
-          <a:effectRef idx="0">
-            <a:schemeClr val="accent1"/>
-          </a:effectRef>
-          <a:fontRef idx="minor">
-            <a:schemeClr val="tx1"/>
-          </a:fontRef>
-        </p:style>
-      </p:cxnSp>
-      <p:cxnSp>
-        <p:nvCxnSpPr>
-          <p:cNvPr id="73" name="Straight Connector 72"/>
-          <p:cNvCxnSpPr/>
-          <p:nvPr/>
-        </p:nvCxnSpPr>
-        <p:spPr>
-          <a:xfrm flipH="1">
-            <a:off x="1603377" y="2382837"/>
-            <a:ext cx="225258" cy="284163"/>
-          </a:xfrm>
-          <a:prstGeom prst="line">
-            <a:avLst/>
-          </a:prstGeom>
-          <a:ln>
-            <a:solidFill>
-              <a:srgbClr val="0070C0"/>
-            </a:solidFill>
-          </a:ln>
-        </p:spPr>
-        <p:style>
-          <a:lnRef idx="1">
-            <a:schemeClr val="accent1"/>
-          </a:lnRef>
-          <a:fillRef idx="0">
-            <a:schemeClr val="accent1"/>
-          </a:fillRef>
-          <a:effectRef idx="0">
-            <a:schemeClr val="accent1"/>
-          </a:effectRef>
-          <a:fontRef idx="minor">
-            <a:schemeClr val="tx1"/>
-          </a:fontRef>
-        </p:style>
-      </p:cxnSp>
-      <p:cxnSp>
-        <p:nvCxnSpPr>
-          <p:cNvPr id="75" name="Straight Connector 74"/>
-          <p:cNvCxnSpPr/>
-          <p:nvPr/>
-        </p:nvCxnSpPr>
-        <p:spPr>
-          <a:xfrm flipV="1">
-            <a:off x="1524635" y="1322387"/>
-            <a:ext cx="122080" cy="322264"/>
-          </a:xfrm>
-          <a:prstGeom prst="line">
-            <a:avLst/>
-          </a:prstGeom>
-          <a:ln>
-            <a:solidFill>
-              <a:srgbClr val="0070C0"/>
-            </a:solidFill>
-          </a:ln>
-        </p:spPr>
-        <p:style>
-          <a:lnRef idx="1">
-            <a:schemeClr val="accent1"/>
-          </a:lnRef>
-          <a:fillRef idx="0">
-            <a:schemeClr val="accent1"/>
-          </a:fillRef>
-          <a:effectRef idx="0">
-            <a:schemeClr val="accent1"/>
-          </a:effectRef>
-          <a:fontRef idx="minor">
-            <a:schemeClr val="tx1"/>
-          </a:fontRef>
-        </p:style>
-      </p:cxnSp>
-      <p:cxnSp>
-        <p:nvCxnSpPr>
-          <p:cNvPr id="77" name="Straight Connector 76"/>
-          <p:cNvCxnSpPr/>
-          <p:nvPr/>
-        </p:nvCxnSpPr>
-        <p:spPr>
-          <a:xfrm flipH="1">
-            <a:off x="1646715" y="1263650"/>
-            <a:ext cx="270985" cy="58737"/>
-          </a:xfrm>
-          <a:prstGeom prst="line">
-            <a:avLst/>
-          </a:prstGeom>
-          <a:ln>
-            <a:solidFill>
-              <a:srgbClr val="0070C0"/>
-            </a:solidFill>
-          </a:ln>
-        </p:spPr>
-        <p:style>
-          <a:lnRef idx="1">
-            <a:schemeClr val="accent1"/>
-          </a:lnRef>
-          <a:fillRef idx="0">
-            <a:schemeClr val="accent1"/>
-          </a:fillRef>
-          <a:effectRef idx="0">
-            <a:schemeClr val="accent1"/>
-          </a:effectRef>
-          <a:fontRef idx="minor">
-            <a:schemeClr val="tx1"/>
-          </a:fontRef>
-        </p:style>
-      </p:cxnSp>
-      <p:cxnSp>
-        <p:nvCxnSpPr>
-          <p:cNvPr id="80" name="Straight Connector 79"/>
-          <p:cNvCxnSpPr/>
-          <p:nvPr/>
-        </p:nvCxnSpPr>
-        <p:spPr>
-          <a:xfrm flipV="1">
-            <a:off x="1539875" y="1387474"/>
-            <a:ext cx="45801" cy="277813"/>
-          </a:xfrm>
-          <a:prstGeom prst="line">
-            <a:avLst/>
-          </a:prstGeom>
-          <a:ln>
-            <a:solidFill>
-              <a:srgbClr val="0070C0"/>
-            </a:solidFill>
-          </a:ln>
-        </p:spPr>
-        <p:style>
-          <a:lnRef idx="1">
-            <a:schemeClr val="accent1"/>
-          </a:lnRef>
-          <a:fillRef idx="0">
-            <a:schemeClr val="accent1"/>
-          </a:fillRef>
-          <a:effectRef idx="0">
-            <a:schemeClr val="accent1"/>
-          </a:effectRef>
-          <a:fontRef idx="minor">
-            <a:schemeClr val="tx1"/>
-          </a:fontRef>
-        </p:style>
-      </p:cxnSp>
-      <p:cxnSp>
-        <p:nvCxnSpPr>
-          <p:cNvPr id="82" name="Straight Connector 81"/>
-          <p:cNvCxnSpPr/>
-          <p:nvPr/>
-        </p:nvCxnSpPr>
-        <p:spPr>
-          <a:xfrm flipV="1">
-            <a:off x="1585675" y="1263650"/>
-            <a:ext cx="332025" cy="123824"/>
-          </a:xfrm>
-          <a:prstGeom prst="line">
-            <a:avLst/>
-          </a:prstGeom>
-          <a:ln>
-            <a:solidFill>
-              <a:srgbClr val="0070C0"/>
-            </a:solidFill>
-          </a:ln>
-        </p:spPr>
-        <p:style>
-          <a:lnRef idx="1">
-            <a:schemeClr val="accent1"/>
-          </a:lnRef>
-          <a:fillRef idx="0">
-            <a:schemeClr val="accent1"/>
-          </a:fillRef>
-          <a:effectRef idx="0">
-            <a:schemeClr val="accent1"/>
-          </a:effectRef>
-          <a:fontRef idx="minor">
-            <a:schemeClr val="tx1"/>
-          </a:fontRef>
-        </p:style>
-      </p:cxnSp>
-      <p:cxnSp>
-        <p:nvCxnSpPr>
-          <p:cNvPr id="85" name="Straight Connector 84"/>
-          <p:cNvCxnSpPr/>
-          <p:nvPr/>
-        </p:nvCxnSpPr>
-        <p:spPr>
-          <a:xfrm>
-            <a:off x="1531535" y="1638299"/>
-            <a:ext cx="220152" cy="214313"/>
-          </a:xfrm>
-          <a:prstGeom prst="line">
-            <a:avLst/>
-          </a:prstGeom>
-          <a:ln>
-            <a:solidFill>
-              <a:srgbClr val="0070C0"/>
-            </a:solidFill>
-          </a:ln>
-        </p:spPr>
-        <p:style>
-          <a:lnRef idx="1">
-            <a:schemeClr val="accent1"/>
-          </a:lnRef>
-          <a:fillRef idx="0">
-            <a:schemeClr val="accent1"/>
-          </a:fillRef>
-          <a:effectRef idx="0">
-            <a:schemeClr val="accent1"/>
-          </a:effectRef>
-          <a:fontRef idx="minor">
-            <a:schemeClr val="tx1"/>
-          </a:fontRef>
-        </p:style>
-      </p:cxnSp>
-      <p:cxnSp>
-        <p:nvCxnSpPr>
-          <p:cNvPr id="87" name="Straight Connector 86"/>
-          <p:cNvCxnSpPr/>
-          <p:nvPr/>
-        </p:nvCxnSpPr>
-        <p:spPr>
-          <a:xfrm>
-            <a:off x="1531535" y="1638298"/>
-            <a:ext cx="184471" cy="270670"/>
-          </a:xfrm>
-          <a:prstGeom prst="line">
-            <a:avLst/>
-          </a:prstGeom>
-          <a:ln>
-            <a:solidFill>
-              <a:srgbClr val="0070C0"/>
-            </a:solidFill>
-          </a:ln>
-        </p:spPr>
-        <p:style>
-          <a:lnRef idx="1">
-            <a:schemeClr val="accent1"/>
-          </a:lnRef>
-          <a:fillRef idx="0">
-            <a:schemeClr val="accent1"/>
-          </a:fillRef>
-          <a:effectRef idx="0">
-            <a:schemeClr val="accent1"/>
-          </a:effectRef>
-          <a:fontRef idx="minor">
-            <a:schemeClr val="tx1"/>
-          </a:fontRef>
-        </p:style>
-      </p:cxnSp>
-      <p:cxnSp>
-        <p:nvCxnSpPr>
-          <p:cNvPr id="89" name="Straight Connector 88"/>
-          <p:cNvCxnSpPr/>
-          <p:nvPr/>
-        </p:nvCxnSpPr>
-        <p:spPr>
-          <a:xfrm flipH="1">
-            <a:off x="1646714" y="1834355"/>
-            <a:ext cx="89685" cy="330995"/>
-          </a:xfrm>
-          <a:prstGeom prst="line">
-            <a:avLst/>
-          </a:prstGeom>
-          <a:ln>
-            <a:solidFill>
-              <a:srgbClr val="0070C0"/>
-            </a:solidFill>
-          </a:ln>
-        </p:spPr>
-        <p:style>
-          <a:lnRef idx="1">
-            <a:schemeClr val="accent1"/>
-          </a:lnRef>
-          <a:fillRef idx="0">
-            <a:schemeClr val="accent1"/>
-          </a:fillRef>
-          <a:effectRef idx="0">
-            <a:schemeClr val="accent1"/>
-          </a:effectRef>
-          <a:fontRef idx="minor">
-            <a:schemeClr val="tx1"/>
-          </a:fontRef>
-        </p:style>
-      </p:cxnSp>
-      <p:cxnSp>
-        <p:nvCxnSpPr>
-          <p:cNvPr id="91" name="Straight Connector 90"/>
-          <p:cNvCxnSpPr/>
-          <p:nvPr/>
-        </p:nvCxnSpPr>
-        <p:spPr>
-          <a:xfrm flipH="1">
-            <a:off x="1751687" y="1798637"/>
-            <a:ext cx="270788" cy="53975"/>
-          </a:xfrm>
-          <a:prstGeom prst="line">
-            <a:avLst/>
-          </a:prstGeom>
-          <a:ln>
-            <a:solidFill>
-              <a:srgbClr val="0070C0"/>
-            </a:solidFill>
-          </a:ln>
-        </p:spPr>
-        <p:style>
-          <a:lnRef idx="1">
-            <a:schemeClr val="accent1"/>
-          </a:lnRef>
-          <a:fillRef idx="0">
-            <a:schemeClr val="accent1"/>
-          </a:fillRef>
-          <a:effectRef idx="0">
-            <a:schemeClr val="accent1"/>
-          </a:effectRef>
-          <a:fontRef idx="minor">
-            <a:schemeClr val="tx1"/>
-          </a:fontRef>
-        </p:style>
-      </p:cxnSp>
-      <p:cxnSp>
-        <p:nvCxnSpPr>
-          <p:cNvPr id="94" name="Straight Connector 93"/>
-          <p:cNvCxnSpPr/>
-          <p:nvPr/>
-        </p:nvCxnSpPr>
-        <p:spPr>
-          <a:xfrm flipH="1">
-            <a:off x="1691556" y="1798637"/>
-            <a:ext cx="330919" cy="95249"/>
-          </a:xfrm>
-          <a:prstGeom prst="line">
-            <a:avLst/>
-          </a:prstGeom>
-          <a:ln>
-            <a:solidFill>
-              <a:srgbClr val="0070C0"/>
-            </a:solidFill>
-          </a:ln>
-        </p:spPr>
-        <p:style>
-          <a:lnRef idx="1">
-            <a:schemeClr val="accent1"/>
-          </a:lnRef>
-          <a:fillRef idx="0">
-            <a:schemeClr val="accent1"/>
-          </a:fillRef>
-          <a:effectRef idx="0">
-            <a:schemeClr val="accent1"/>
-          </a:effectRef>
-          <a:fontRef idx="minor">
-            <a:schemeClr val="tx1"/>
-          </a:fontRef>
-        </p:style>
-      </p:cxnSp>
-      <p:cxnSp>
-        <p:nvCxnSpPr>
-          <p:cNvPr id="96" name="Straight Connector 95"/>
-          <p:cNvCxnSpPr/>
-          <p:nvPr/>
-        </p:nvCxnSpPr>
-        <p:spPr>
-          <a:xfrm flipV="1">
-            <a:off x="1646714" y="1893886"/>
-            <a:ext cx="44843" cy="288926"/>
-          </a:xfrm>
-          <a:prstGeom prst="line">
-            <a:avLst/>
-          </a:prstGeom>
-          <a:ln>
-            <a:solidFill>
-              <a:srgbClr val="0070C0"/>
-            </a:solidFill>
-          </a:ln>
-        </p:spPr>
-        <p:style>
-          <a:lnRef idx="1">
-            <a:schemeClr val="accent1"/>
-          </a:lnRef>
-          <a:fillRef idx="0">
-            <a:schemeClr val="accent1"/>
-          </a:fillRef>
-          <a:effectRef idx="0">
-            <a:schemeClr val="accent1"/>
-          </a:effectRef>
-          <a:fontRef idx="minor">
-            <a:schemeClr val="tx1"/>
-          </a:fontRef>
-        </p:style>
-      </p:cxnSp>
-      <p:cxnSp>
-        <p:nvCxnSpPr>
-          <p:cNvPr id="98" name="Straight Connector 97"/>
-          <p:cNvCxnSpPr/>
-          <p:nvPr/>
-        </p:nvCxnSpPr>
-        <p:spPr>
-          <a:xfrm>
-            <a:off x="1669134" y="2163763"/>
-            <a:ext cx="207291" cy="219074"/>
-          </a:xfrm>
-          <a:prstGeom prst="line">
-            <a:avLst/>
-          </a:prstGeom>
-          <a:ln>
-            <a:solidFill>
-              <a:srgbClr val="0070C0"/>
-            </a:solidFill>
-          </a:ln>
-        </p:spPr>
-        <p:style>
-          <a:lnRef idx="1">
-            <a:schemeClr val="accent1"/>
-          </a:lnRef>
-          <a:fillRef idx="0">
-            <a:schemeClr val="accent1"/>
-          </a:fillRef>
-          <a:effectRef idx="0">
-            <a:schemeClr val="accent1"/>
-          </a:effectRef>
-          <a:fontRef idx="minor">
-            <a:schemeClr val="tx1"/>
-          </a:fontRef>
-        </p:style>
-      </p:cxnSp>
-      <p:cxnSp>
-        <p:nvCxnSpPr>
-          <p:cNvPr id="100" name="Straight Connector 99"/>
-          <p:cNvCxnSpPr/>
-          <p:nvPr/>
-        </p:nvCxnSpPr>
-        <p:spPr>
-          <a:xfrm>
-            <a:off x="1641611" y="2154238"/>
-            <a:ext cx="187024" cy="228599"/>
-          </a:xfrm>
-          <a:prstGeom prst="line">
-            <a:avLst/>
-          </a:prstGeom>
-          <a:ln>
-            <a:solidFill>
-              <a:srgbClr val="0070C0"/>
-            </a:solidFill>
-          </a:ln>
-        </p:spPr>
-        <p:style>
-          <a:lnRef idx="1">
-            <a:schemeClr val="accent1"/>
-          </a:lnRef>
-          <a:fillRef idx="0">
-            <a:schemeClr val="accent1"/>
-          </a:fillRef>
-          <a:effectRef idx="0">
-            <a:schemeClr val="accent1"/>
-          </a:effectRef>
-          <a:fontRef idx="minor">
-            <a:schemeClr val="tx1"/>
-          </a:fontRef>
-        </p:style>
-      </p:cxnSp>
-      <p:cxnSp>
-        <p:nvCxnSpPr>
-          <p:cNvPr id="102" name="Straight Connector 101"/>
-          <p:cNvCxnSpPr/>
-          <p:nvPr/>
-        </p:nvCxnSpPr>
-        <p:spPr>
-          <a:xfrm flipV="1">
-            <a:off x="1876425" y="2316163"/>
-            <a:ext cx="269875" cy="57149"/>
-          </a:xfrm>
-          <a:prstGeom prst="line">
-            <a:avLst/>
-          </a:prstGeom>
-          <a:ln>
-            <a:solidFill>
-              <a:srgbClr val="0070C0"/>
-            </a:solidFill>
-          </a:ln>
-        </p:spPr>
-        <p:style>
-          <a:lnRef idx="1">
-            <a:schemeClr val="accent1"/>
-          </a:lnRef>
-          <a:fillRef idx="0">
-            <a:schemeClr val="accent1"/>
-          </a:fillRef>
-          <a:effectRef idx="0">
-            <a:schemeClr val="accent1"/>
-          </a:effectRef>
-          <a:fontRef idx="minor">
-            <a:schemeClr val="tx1"/>
-          </a:fontRef>
-        </p:style>
-      </p:cxnSp>
-      <p:cxnSp>
-        <p:nvCxnSpPr>
-          <p:cNvPr id="105" name="Straight Connector 104"/>
-          <p:cNvCxnSpPr/>
-          <p:nvPr/>
-        </p:nvCxnSpPr>
-        <p:spPr>
-          <a:xfrm flipV="1">
-            <a:off x="1828635" y="2317751"/>
-            <a:ext cx="317665" cy="65086"/>
-          </a:xfrm>
-          <a:prstGeom prst="line">
-            <a:avLst/>
-          </a:prstGeom>
-          <a:ln>
-            <a:solidFill>
-              <a:srgbClr val="0070C0"/>
-            </a:solidFill>
-          </a:ln>
-        </p:spPr>
-        <p:style>
-          <a:lnRef idx="1">
-            <a:schemeClr val="accent1"/>
-          </a:lnRef>
-          <a:fillRef idx="0">
-            <a:schemeClr val="accent1"/>
-          </a:fillRef>
-          <a:effectRef idx="0">
-            <a:schemeClr val="accent1"/>
-          </a:effectRef>
-          <a:fontRef idx="minor">
-            <a:schemeClr val="tx1"/>
-          </a:fontRef>
-        </p:style>
-      </p:cxnSp>
-      <p:cxnSp>
-        <p:nvCxnSpPr>
-          <p:cNvPr id="107" name="Straight Connector 106"/>
-          <p:cNvCxnSpPr/>
-          <p:nvPr/>
-        </p:nvCxnSpPr>
-        <p:spPr>
-          <a:xfrm>
-            <a:off x="1906048" y="1270794"/>
-            <a:ext cx="240252" cy="243681"/>
-          </a:xfrm>
-          <a:prstGeom prst="line">
-            <a:avLst/>
-          </a:prstGeom>
-          <a:ln>
-            <a:solidFill>
-              <a:srgbClr val="0070C0"/>
-            </a:solidFill>
-          </a:ln>
-        </p:spPr>
-        <p:style>
-          <a:lnRef idx="1">
-            <a:schemeClr val="accent1"/>
-          </a:lnRef>
-          <a:fillRef idx="0">
-            <a:schemeClr val="accent1"/>
-          </a:fillRef>
-          <a:effectRef idx="0">
-            <a:schemeClr val="accent1"/>
-          </a:effectRef>
-          <a:fontRef idx="minor">
-            <a:schemeClr val="tx1"/>
-          </a:fontRef>
-        </p:style>
-      </p:cxnSp>
-      <p:cxnSp>
-        <p:nvCxnSpPr>
-          <p:cNvPr id="109" name="Straight Connector 108"/>
-          <p:cNvCxnSpPr/>
-          <p:nvPr/>
-        </p:nvCxnSpPr>
-        <p:spPr>
-          <a:xfrm>
-            <a:off x="1897062" y="1262459"/>
-            <a:ext cx="204788" cy="293291"/>
-          </a:xfrm>
-          <a:prstGeom prst="line">
-            <a:avLst/>
-          </a:prstGeom>
-          <a:ln>
-            <a:solidFill>
-              <a:srgbClr val="0070C0"/>
-            </a:solidFill>
-          </a:ln>
-        </p:spPr>
-        <p:style>
-          <a:lnRef idx="1">
-            <a:schemeClr val="accent1"/>
-          </a:lnRef>
-          <a:fillRef idx="0">
-            <a:schemeClr val="accent1"/>
-          </a:fillRef>
-          <a:effectRef idx="0">
-            <a:schemeClr val="accent1"/>
-          </a:effectRef>
-          <a:fontRef idx="minor">
-            <a:schemeClr val="tx1"/>
-          </a:fontRef>
-        </p:style>
-      </p:cxnSp>
-      <p:cxnSp>
-        <p:nvCxnSpPr>
-          <p:cNvPr id="111" name="Straight Connector 110"/>
-          <p:cNvCxnSpPr/>
-          <p:nvPr/>
-        </p:nvCxnSpPr>
-        <p:spPr>
-          <a:xfrm flipV="1">
-            <a:off x="2081845" y="2549525"/>
-            <a:ext cx="271624" cy="275034"/>
-          </a:xfrm>
-          <a:prstGeom prst="line">
-            <a:avLst/>
-          </a:prstGeom>
-          <a:ln>
-            <a:solidFill>
-              <a:srgbClr val="0070C0"/>
-            </a:solidFill>
-          </a:ln>
-        </p:spPr>
-        <p:style>
-          <a:lnRef idx="1">
-            <a:schemeClr val="accent1"/>
-          </a:lnRef>
-          <a:fillRef idx="0">
-            <a:schemeClr val="accent1"/>
-          </a:fillRef>
-          <a:effectRef idx="0">
-            <a:schemeClr val="accent1"/>
-          </a:effectRef>
-          <a:fontRef idx="minor">
-            <a:schemeClr val="tx1"/>
-          </a:fontRef>
-        </p:style>
-      </p:cxnSp>
-      <p:cxnSp>
-        <p:nvCxnSpPr>
-          <p:cNvPr id="113" name="Straight Connector 112"/>
-          <p:cNvCxnSpPr/>
-          <p:nvPr/>
-        </p:nvCxnSpPr>
-        <p:spPr>
-          <a:xfrm flipV="1">
-            <a:off x="2101850" y="2609850"/>
-            <a:ext cx="220979" cy="194667"/>
-          </a:xfrm>
-          <a:prstGeom prst="line">
-            <a:avLst/>
-          </a:prstGeom>
-          <a:ln>
-            <a:solidFill>
-              <a:srgbClr val="0070C0"/>
-            </a:solidFill>
-          </a:ln>
-        </p:spPr>
-        <p:style>
-          <a:lnRef idx="1">
-            <a:schemeClr val="accent1"/>
-          </a:lnRef>
-          <a:fillRef idx="0">
-            <a:schemeClr val="accent1"/>
-          </a:fillRef>
-          <a:effectRef idx="0">
-            <a:schemeClr val="accent1"/>
-          </a:effectRef>
-          <a:fontRef idx="minor">
-            <a:schemeClr val="tx1"/>
-          </a:fontRef>
-        </p:style>
-      </p:cxnSp>
-      <p:cxnSp>
-        <p:nvCxnSpPr>
-          <p:cNvPr id="115" name="Straight Connector 114"/>
-          <p:cNvCxnSpPr/>
-          <p:nvPr/>
-        </p:nvCxnSpPr>
-        <p:spPr>
-          <a:xfrm flipH="1">
-            <a:off x="2011362" y="1506438"/>
-            <a:ext cx="134938" cy="292199"/>
-          </a:xfrm>
-          <a:prstGeom prst="line">
-            <a:avLst/>
-          </a:prstGeom>
-          <a:ln>
-            <a:solidFill>
-              <a:srgbClr val="0070C0"/>
-            </a:solidFill>
-          </a:ln>
-        </p:spPr>
-        <p:style>
-          <a:lnRef idx="1">
-            <a:schemeClr val="accent1"/>
-          </a:lnRef>
-          <a:fillRef idx="0">
-            <a:schemeClr val="accent1"/>
-          </a:fillRef>
-          <a:effectRef idx="0">
-            <a:schemeClr val="accent1"/>
-          </a:effectRef>
-          <a:fontRef idx="minor">
-            <a:schemeClr val="tx1"/>
-          </a:fontRef>
-        </p:style>
-      </p:cxnSp>
-      <p:cxnSp>
-        <p:nvCxnSpPr>
-          <p:cNvPr id="117" name="Straight Connector 116"/>
-          <p:cNvCxnSpPr/>
-          <p:nvPr/>
-        </p:nvCxnSpPr>
-        <p:spPr>
-          <a:xfrm flipH="1">
-            <a:off x="2011362" y="1543742"/>
-            <a:ext cx="82281" cy="254895"/>
-          </a:xfrm>
-          <a:prstGeom prst="line">
-            <a:avLst/>
-          </a:prstGeom>
-          <a:ln>
-            <a:solidFill>
-              <a:srgbClr val="0070C0"/>
-            </a:solidFill>
-          </a:ln>
-        </p:spPr>
-        <p:style>
-          <a:lnRef idx="1">
-            <a:schemeClr val="accent1"/>
-          </a:lnRef>
-          <a:fillRef idx="0">
-            <a:schemeClr val="accent1"/>
-          </a:fillRef>
-          <a:effectRef idx="0">
-            <a:schemeClr val="accent1"/>
-          </a:effectRef>
-          <a:fontRef idx="minor">
-            <a:schemeClr val="tx1"/>
-          </a:fontRef>
-        </p:style>
-      </p:cxnSp>
-      <p:cxnSp>
-        <p:nvCxnSpPr>
-          <p:cNvPr id="119" name="Straight Connector 118"/>
-          <p:cNvCxnSpPr/>
-          <p:nvPr/>
-        </p:nvCxnSpPr>
-        <p:spPr>
-          <a:xfrm>
-            <a:off x="2024452" y="1797445"/>
-            <a:ext cx="228210" cy="221855"/>
-          </a:xfrm>
-          <a:prstGeom prst="line">
-            <a:avLst/>
-          </a:prstGeom>
-          <a:ln>
-            <a:solidFill>
-              <a:srgbClr val="0070C0"/>
-            </a:solidFill>
-          </a:ln>
-        </p:spPr>
-        <p:style>
-          <a:lnRef idx="1">
-            <a:schemeClr val="accent1"/>
-          </a:lnRef>
-          <a:fillRef idx="0">
-            <a:schemeClr val="accent1"/>
-          </a:fillRef>
-          <a:effectRef idx="0">
-            <a:schemeClr val="accent1"/>
-          </a:effectRef>
-          <a:fontRef idx="minor">
-            <a:schemeClr val="tx1"/>
-          </a:fontRef>
-        </p:style>
-      </p:cxnSp>
-      <p:cxnSp>
-        <p:nvCxnSpPr>
-          <p:cNvPr id="121" name="Straight Connector 120"/>
-          <p:cNvCxnSpPr/>
-          <p:nvPr/>
-        </p:nvCxnSpPr>
-        <p:spPr>
-          <a:xfrm>
-            <a:off x="2011362" y="1797445"/>
-            <a:ext cx="172877" cy="266305"/>
-          </a:xfrm>
-          <a:prstGeom prst="line">
-            <a:avLst/>
-          </a:prstGeom>
-          <a:ln>
-            <a:solidFill>
-              <a:srgbClr val="0070C0"/>
-            </a:solidFill>
-          </a:ln>
-        </p:spPr>
-        <p:style>
-          <a:lnRef idx="1">
-            <a:schemeClr val="accent1"/>
-          </a:lnRef>
-          <a:fillRef idx="0">
-            <a:schemeClr val="accent1"/>
-          </a:fillRef>
-          <a:effectRef idx="0">
-            <a:schemeClr val="accent1"/>
-          </a:effectRef>
-          <a:fontRef idx="minor">
-            <a:schemeClr val="tx1"/>
-          </a:fontRef>
-        </p:style>
-      </p:cxnSp>
-      <p:cxnSp>
-        <p:nvCxnSpPr>
-          <p:cNvPr id="123" name="Straight Connector 122"/>
-          <p:cNvCxnSpPr/>
-          <p:nvPr/>
-        </p:nvCxnSpPr>
-        <p:spPr>
-          <a:xfrm flipH="1">
-            <a:off x="2146300" y="2019695"/>
-            <a:ext cx="106362" cy="298056"/>
-          </a:xfrm>
-          <a:prstGeom prst="line">
-            <a:avLst/>
-          </a:prstGeom>
-          <a:ln>
-            <a:solidFill>
-              <a:srgbClr val="0070C0"/>
-            </a:solidFill>
-          </a:ln>
-        </p:spPr>
-        <p:style>
-          <a:lnRef idx="1">
-            <a:schemeClr val="accent1"/>
-          </a:lnRef>
-          <a:fillRef idx="0">
-            <a:schemeClr val="accent1"/>
-          </a:fillRef>
-          <a:effectRef idx="0">
-            <a:schemeClr val="accent1"/>
-          </a:effectRef>
-          <a:fontRef idx="minor">
-            <a:schemeClr val="tx1"/>
-          </a:fontRef>
-        </p:style>
-      </p:cxnSp>
-      <p:cxnSp>
-        <p:nvCxnSpPr>
-          <p:cNvPr id="125" name="Straight Connector 124"/>
-          <p:cNvCxnSpPr/>
-          <p:nvPr/>
-        </p:nvCxnSpPr>
-        <p:spPr>
-          <a:xfrm flipH="1">
-            <a:off x="2135026" y="2063750"/>
-            <a:ext cx="53181" cy="252413"/>
-          </a:xfrm>
-          <a:prstGeom prst="line">
-            <a:avLst/>
-          </a:prstGeom>
-          <a:ln>
-            <a:solidFill>
-              <a:srgbClr val="0070C0"/>
-            </a:solidFill>
-          </a:ln>
-        </p:spPr>
-        <p:style>
-          <a:lnRef idx="1">
-            <a:schemeClr val="accent1"/>
-          </a:lnRef>
-          <a:fillRef idx="0">
-            <a:schemeClr val="accent1"/>
-          </a:fillRef>
-          <a:effectRef idx="0">
-            <a:schemeClr val="accent1"/>
-          </a:effectRef>
-          <a:fontRef idx="minor">
-            <a:schemeClr val="tx1"/>
-          </a:fontRef>
-        </p:style>
-      </p:cxnSp>
-      <p:cxnSp>
-        <p:nvCxnSpPr>
-          <p:cNvPr id="127" name="Straight Connector 126"/>
-          <p:cNvCxnSpPr/>
-          <p:nvPr/>
-        </p:nvCxnSpPr>
-        <p:spPr>
-          <a:xfrm>
-            <a:off x="2150981" y="2308619"/>
-            <a:ext cx="227094" cy="216299"/>
-          </a:xfrm>
-          <a:prstGeom prst="line">
-            <a:avLst/>
-          </a:prstGeom>
-          <a:ln>
-            <a:solidFill>
-              <a:srgbClr val="0070C0"/>
-            </a:solidFill>
-          </a:ln>
-        </p:spPr>
-        <p:style>
-          <a:lnRef idx="1">
-            <a:schemeClr val="accent1"/>
-          </a:lnRef>
-          <a:fillRef idx="0">
-            <a:schemeClr val="accent1"/>
-          </a:fillRef>
-          <a:effectRef idx="0">
-            <a:schemeClr val="accent1"/>
-          </a:effectRef>
-          <a:fontRef idx="minor">
-            <a:schemeClr val="tx1"/>
-          </a:fontRef>
-        </p:style>
-      </p:cxnSp>
-      <p:cxnSp>
-        <p:nvCxnSpPr>
-          <p:cNvPr id="129" name="Straight Connector 128"/>
-          <p:cNvCxnSpPr/>
-          <p:nvPr/>
-        </p:nvCxnSpPr>
-        <p:spPr>
-          <a:xfrm>
-            <a:off x="2129549" y="2316163"/>
-            <a:ext cx="193280" cy="233362"/>
-          </a:xfrm>
-          <a:prstGeom prst="line">
-            <a:avLst/>
-          </a:prstGeom>
-          <a:ln>
-            <a:solidFill>
-              <a:srgbClr val="0070C0"/>
-            </a:solidFill>
-          </a:ln>
-        </p:spPr>
-        <p:style>
-          <a:lnRef idx="1">
-            <a:schemeClr val="accent1"/>
-          </a:lnRef>
-          <a:fillRef idx="0">
-            <a:schemeClr val="accent1"/>
-          </a:fillRef>
-          <a:effectRef idx="0">
-            <a:schemeClr val="accent1"/>
-          </a:effectRef>
-          <a:fontRef idx="minor">
-            <a:schemeClr val="tx1"/>
-          </a:fontRef>
-        </p:style>
-      </p:cxnSp>
       <p:graphicFrame>
         <p:nvGraphicFramePr>
           <p:cNvPr id="76" name="Table 75"/>
@@ -7850,6 +5960,504 @@
               <a:t>Check bond connectivity</a:t>
             </a:r>
             <a:endParaRPr lang="en-US" b="1" dirty="0"/>
+          </a:p>
+        </p:txBody>
+      </p:sp>
+      <p:pic>
+        <p:nvPicPr>
+          <p:cNvPr id="61" name="Picture 2"/>
+          <p:cNvPicPr>
+            <a:picLocks noChangeAspect="1" noChangeArrowheads="1"/>
+          </p:cNvPicPr>
+          <p:nvPr/>
+        </p:nvPicPr>
+        <p:blipFill>
+          <a:blip r:embed="rId2" cstate="print">
+            <a:extLst>
+              <a:ext uri="{28A0092B-C50C-407E-A947-70E740481C1C}">
+                <a14:useLocalDpi xmlns:a14="http://schemas.microsoft.com/office/drawing/2010/main" val="0"/>
+              </a:ext>
+            </a:extLst>
+          </a:blip>
+          <a:srcRect/>
+          <a:stretch>
+            <a:fillRect/>
+          </a:stretch>
+        </p:blipFill>
+        <p:spPr bwMode="auto">
+          <a:xfrm>
+            <a:off x="3130068" y="768746"/>
+            <a:ext cx="2342821" cy="2286100"/>
+          </a:xfrm>
+          <a:prstGeom prst="rect">
+            <a:avLst/>
+          </a:prstGeom>
+          <a:noFill/>
+          <a:ln w="9525">
+            <a:solidFill>
+              <a:srgbClr val="0070C0"/>
+            </a:solidFill>
+            <a:miter lim="800000"/>
+            <a:headEnd/>
+            <a:tailEnd/>
+          </a:ln>
+          <a:effectLst/>
+          <a:extLst>
+            <a:ext uri="{909E8E84-426E-40DD-AFC4-6F175D3DCCD1}">
+              <a14:hiddenFill xmlns:a14="http://schemas.microsoft.com/office/drawing/2010/main">
+                <a:solidFill>
+                  <a:schemeClr val="accent1"/>
+                </a:solidFill>
+              </a14:hiddenFill>
+            </a:ext>
+            <a:ext uri="{AF507438-7753-43E0-B8FC-AC1667EBCBE1}">
+              <a14:hiddenEffects xmlns:a14="http://schemas.microsoft.com/office/drawing/2010/main">
+                <a:effectLst>
+                  <a:outerShdw dist="35921" dir="2700000" algn="ctr" rotWithShape="0">
+                    <a:schemeClr val="bg2"/>
+                  </a:outerShdw>
+                </a:effectLst>
+              </a14:hiddenEffects>
+            </a:ext>
+          </a:extLst>
+        </p:spPr>
+      </p:pic>
+      <p:cxnSp>
+        <p:nvCxnSpPr>
+          <p:cNvPr id="3" name="Straight Connector 2"/>
+          <p:cNvCxnSpPr/>
+          <p:nvPr/>
+        </p:nvCxnSpPr>
+        <p:spPr>
+          <a:xfrm>
+            <a:off x="692150" y="971550"/>
+            <a:ext cx="251883" cy="203200"/>
+          </a:xfrm>
+          <a:prstGeom prst="line">
+            <a:avLst/>
+          </a:prstGeom>
+        </p:spPr>
+        <p:style>
+          <a:lnRef idx="1">
+            <a:schemeClr val="accent1"/>
+          </a:lnRef>
+          <a:fillRef idx="0">
+            <a:schemeClr val="accent1"/>
+          </a:fillRef>
+          <a:effectRef idx="0">
+            <a:schemeClr val="accent1"/>
+          </a:effectRef>
+          <a:fontRef idx="minor">
+            <a:schemeClr val="tx1"/>
+          </a:fontRef>
+        </p:style>
+      </p:cxnSp>
+      <p:cxnSp>
+        <p:nvCxnSpPr>
+          <p:cNvPr id="149" name="Straight Connector 148"/>
+          <p:cNvCxnSpPr/>
+          <p:nvPr/>
+        </p:nvCxnSpPr>
+        <p:spPr>
+          <a:xfrm flipV="1">
+            <a:off x="814915" y="1155302"/>
+            <a:ext cx="125941" cy="346074"/>
+          </a:xfrm>
+          <a:prstGeom prst="line">
+            <a:avLst/>
+          </a:prstGeom>
+        </p:spPr>
+        <p:style>
+          <a:lnRef idx="1">
+            <a:schemeClr val="accent1"/>
+          </a:lnRef>
+          <a:fillRef idx="0">
+            <a:schemeClr val="accent1"/>
+          </a:fillRef>
+          <a:effectRef idx="0">
+            <a:schemeClr val="accent1"/>
+          </a:effectRef>
+          <a:fontRef idx="minor">
+            <a:schemeClr val="tx1"/>
+          </a:fontRef>
+        </p:style>
+      </p:cxnSp>
+      <p:cxnSp>
+        <p:nvCxnSpPr>
+          <p:cNvPr id="150" name="Straight Connector 149"/>
+          <p:cNvCxnSpPr/>
+          <p:nvPr/>
+        </p:nvCxnSpPr>
+        <p:spPr>
+          <a:xfrm flipV="1">
+            <a:off x="1026584" y="2226071"/>
+            <a:ext cx="125941" cy="298450"/>
+          </a:xfrm>
+          <a:prstGeom prst="line">
+            <a:avLst/>
+          </a:prstGeom>
+        </p:spPr>
+        <p:style>
+          <a:lnRef idx="1">
+            <a:schemeClr val="accent1"/>
+          </a:lnRef>
+          <a:fillRef idx="0">
+            <a:schemeClr val="accent1"/>
+          </a:fillRef>
+          <a:effectRef idx="0">
+            <a:schemeClr val="accent1"/>
+          </a:effectRef>
+          <a:fontRef idx="minor">
+            <a:schemeClr val="tx1"/>
+          </a:fontRef>
+        </p:style>
+      </p:cxnSp>
+      <p:cxnSp>
+        <p:nvCxnSpPr>
+          <p:cNvPr id="151" name="Straight Connector 150"/>
+          <p:cNvCxnSpPr/>
+          <p:nvPr/>
+        </p:nvCxnSpPr>
+        <p:spPr>
+          <a:xfrm flipH="1">
+            <a:off x="1989042" y="1501376"/>
+            <a:ext cx="195197" cy="0"/>
+          </a:xfrm>
+          <a:prstGeom prst="line">
+            <a:avLst/>
+          </a:prstGeom>
+        </p:spPr>
+        <p:style>
+          <a:lnRef idx="1">
+            <a:schemeClr val="accent1"/>
+          </a:lnRef>
+          <a:fillRef idx="0">
+            <a:schemeClr val="accent1"/>
+          </a:fillRef>
+          <a:effectRef idx="0">
+            <a:schemeClr val="accent1"/>
+          </a:effectRef>
+          <a:fontRef idx="minor">
+            <a:schemeClr val="tx1"/>
+          </a:fontRef>
+        </p:style>
+      </p:cxnSp>
+      <p:cxnSp>
+        <p:nvCxnSpPr>
+          <p:cNvPr id="153" name="Straight Connector 152"/>
+          <p:cNvCxnSpPr/>
+          <p:nvPr/>
+        </p:nvCxnSpPr>
+        <p:spPr>
+          <a:xfrm flipV="1">
+            <a:off x="940856" y="1129108"/>
+            <a:ext cx="251883" cy="30162"/>
+          </a:xfrm>
+          <a:prstGeom prst="line">
+            <a:avLst/>
+          </a:prstGeom>
+        </p:spPr>
+        <p:style>
+          <a:lnRef idx="1">
+            <a:schemeClr val="accent1"/>
+          </a:lnRef>
+          <a:fillRef idx="0">
+            <a:schemeClr val="accent1"/>
+          </a:fillRef>
+          <a:effectRef idx="0">
+            <a:schemeClr val="accent1"/>
+          </a:effectRef>
+          <a:fontRef idx="minor">
+            <a:schemeClr val="tx1"/>
+          </a:fontRef>
+        </p:style>
+      </p:cxnSp>
+      <p:cxnSp>
+        <p:nvCxnSpPr>
+          <p:cNvPr id="154" name="Straight Connector 153"/>
+          <p:cNvCxnSpPr/>
+          <p:nvPr/>
+        </p:nvCxnSpPr>
+        <p:spPr>
+          <a:xfrm>
+            <a:off x="3409950" y="925908"/>
+            <a:ext cx="125941" cy="248842"/>
+          </a:xfrm>
+          <a:prstGeom prst="line">
+            <a:avLst/>
+          </a:prstGeom>
+        </p:spPr>
+        <p:style>
+          <a:lnRef idx="1">
+            <a:schemeClr val="accent1"/>
+          </a:lnRef>
+          <a:fillRef idx="0">
+            <a:schemeClr val="accent1"/>
+          </a:fillRef>
+          <a:effectRef idx="0">
+            <a:schemeClr val="accent1"/>
+          </a:effectRef>
+          <a:fontRef idx="minor">
+            <a:schemeClr val="tx1"/>
+          </a:fontRef>
+        </p:style>
+      </p:cxnSp>
+      <p:cxnSp>
+        <p:nvCxnSpPr>
+          <p:cNvPr id="155" name="Straight Connector 154"/>
+          <p:cNvCxnSpPr/>
+          <p:nvPr/>
+        </p:nvCxnSpPr>
+        <p:spPr>
+          <a:xfrm>
+            <a:off x="3738943" y="2250875"/>
+            <a:ext cx="0" cy="248842"/>
+          </a:xfrm>
+          <a:prstGeom prst="line">
+            <a:avLst/>
+          </a:prstGeom>
+        </p:spPr>
+        <p:style>
+          <a:lnRef idx="1">
+            <a:schemeClr val="accent1"/>
+          </a:lnRef>
+          <a:fillRef idx="0">
+            <a:schemeClr val="accent1"/>
+          </a:fillRef>
+          <a:effectRef idx="0">
+            <a:schemeClr val="accent1"/>
+          </a:effectRef>
+          <a:fontRef idx="minor">
+            <a:schemeClr val="tx1"/>
+          </a:fontRef>
+        </p:style>
+      </p:cxnSp>
+      <p:cxnSp>
+        <p:nvCxnSpPr>
+          <p:cNvPr id="156" name="Straight Connector 155"/>
+          <p:cNvCxnSpPr/>
+          <p:nvPr/>
+        </p:nvCxnSpPr>
+        <p:spPr>
+          <a:xfrm flipH="1">
+            <a:off x="4567767" y="1442308"/>
+            <a:ext cx="301476" cy="59068"/>
+          </a:xfrm>
+          <a:prstGeom prst="line">
+            <a:avLst/>
+          </a:prstGeom>
+        </p:spPr>
+        <p:style>
+          <a:lnRef idx="1">
+            <a:schemeClr val="accent1"/>
+          </a:lnRef>
+          <a:fillRef idx="0">
+            <a:schemeClr val="accent1"/>
+          </a:fillRef>
+          <a:effectRef idx="0">
+            <a:schemeClr val="accent1"/>
+          </a:effectRef>
+          <a:fontRef idx="minor">
+            <a:schemeClr val="tx1"/>
+          </a:fontRef>
+        </p:style>
+      </p:cxnSp>
+      <p:cxnSp>
+        <p:nvCxnSpPr>
+          <p:cNvPr id="157" name="Straight Connector 156"/>
+          <p:cNvCxnSpPr/>
+          <p:nvPr/>
+        </p:nvCxnSpPr>
+        <p:spPr>
+          <a:xfrm flipH="1">
+            <a:off x="3482785" y="1193466"/>
+            <a:ext cx="53106" cy="248842"/>
+          </a:xfrm>
+          <a:prstGeom prst="line">
+            <a:avLst/>
+          </a:prstGeom>
+        </p:spPr>
+        <p:style>
+          <a:lnRef idx="1">
+            <a:schemeClr val="accent1"/>
+          </a:lnRef>
+          <a:fillRef idx="0">
+            <a:schemeClr val="accent1"/>
+          </a:fillRef>
+          <a:effectRef idx="0">
+            <a:schemeClr val="accent1"/>
+          </a:effectRef>
+          <a:fontRef idx="minor">
+            <a:schemeClr val="tx1"/>
+          </a:fontRef>
+        </p:style>
+      </p:cxnSp>
+      <p:cxnSp>
+        <p:nvCxnSpPr>
+          <p:cNvPr id="158" name="Straight Connector 157"/>
+          <p:cNvCxnSpPr/>
+          <p:nvPr/>
+        </p:nvCxnSpPr>
+        <p:spPr>
+          <a:xfrm flipH="1">
+            <a:off x="3509338" y="1129108"/>
+            <a:ext cx="402263" cy="45642"/>
+          </a:xfrm>
+          <a:prstGeom prst="line">
+            <a:avLst/>
+          </a:prstGeom>
+        </p:spPr>
+        <p:style>
+          <a:lnRef idx="1">
+            <a:schemeClr val="accent1"/>
+          </a:lnRef>
+          <a:fillRef idx="0">
+            <a:schemeClr val="accent1"/>
+          </a:fillRef>
+          <a:effectRef idx="0">
+            <a:schemeClr val="accent1"/>
+          </a:effectRef>
+          <a:fontRef idx="minor">
+            <a:schemeClr val="tx1"/>
+          </a:fontRef>
+        </p:style>
+      </p:cxnSp>
+      <p:sp>
+        <p:nvSpPr>
+          <p:cNvPr id="159" name="TextBox 158"/>
+          <p:cNvSpPr txBox="1"/>
+          <p:nvPr/>
+        </p:nvSpPr>
+        <p:spPr>
+          <a:xfrm>
+            <a:off x="692150" y="3210394"/>
+            <a:ext cx="9026998" cy="600164"/>
+          </a:xfrm>
+          <a:prstGeom prst="rect">
+            <a:avLst/>
+          </a:prstGeom>
+          <a:noFill/>
+        </p:spPr>
+        <p:txBody>
+          <a:bodyPr wrap="square" rtlCol="0">
+            <a:spAutoFit/>
+          </a:bodyPr>
+          <a:lstStyle/>
+          <a:p>
+            <a:pPr>
+              <a:tabLst>
+                <a:tab pos="1084263" algn="l"/>
+                <a:tab pos="2743200" algn="l"/>
+                <a:tab pos="4229100" algn="l"/>
+                <a:tab pos="5543550" algn="l"/>
+                <a:tab pos="7029450" algn="l"/>
+                <a:tab pos="8229600" algn="l"/>
+              </a:tabLst>
+            </a:pPr>
+            <a:r>
+              <a:rPr lang="en-US" sz="1100" dirty="0" smtClean="0">
+                <a:latin typeface="Courier New" pitchFamily="49" charset="0"/>
+                <a:cs typeface="Courier New" pitchFamily="49" charset="0"/>
+              </a:rPr>
+              <a:t>type	1	2</a:t>
+            </a:r>
+          </a:p>
+          <a:p>
+            <a:pPr>
+              <a:tabLst>
+                <a:tab pos="1084263" algn="l"/>
+                <a:tab pos="2743200" algn="l"/>
+                <a:tab pos="4229100" algn="l"/>
+                <a:tab pos="5543550" algn="l"/>
+                <a:tab pos="7029450" algn="l"/>
+                <a:tab pos="8229600" algn="l"/>
+              </a:tabLst>
+            </a:pPr>
+            <a:r>
+              <a:rPr lang="en-US" sz="1100" dirty="0" smtClean="0">
+                <a:latin typeface="Courier New" pitchFamily="49" charset="0"/>
+                <a:cs typeface="Courier New" pitchFamily="49" charset="0"/>
+              </a:rPr>
+              <a:t>Ds	M X</a:t>
+            </a:r>
+            <a:r>
+              <a:rPr lang="en-US" sz="1100" baseline="30000" dirty="0" smtClean="0">
+                <a:latin typeface="Courier New" pitchFamily="49" charset="0"/>
+                <a:cs typeface="Courier New" pitchFamily="49" charset="0"/>
+              </a:rPr>
+              <a:t>+</a:t>
+            </a:r>
+            <a:r>
+              <a:rPr lang="en-US" sz="1100" dirty="0" smtClean="0">
+                <a:latin typeface="Courier New" pitchFamily="49" charset="0"/>
+                <a:cs typeface="Courier New" pitchFamily="49" charset="0"/>
+              </a:rPr>
+              <a:t>	</a:t>
+            </a:r>
+            <a:r>
+              <a:rPr lang="en-US" sz="1100" dirty="0" smtClean="0">
+                <a:solidFill>
+                  <a:srgbClr val="00B050"/>
+                </a:solidFill>
+                <a:latin typeface="Courier New" pitchFamily="49" charset="0"/>
+                <a:cs typeface="Courier New" pitchFamily="49" charset="0"/>
+              </a:rPr>
+              <a:t>M X</a:t>
+            </a:r>
+            <a:r>
+              <a:rPr lang="en-US" sz="1100" baseline="30000" dirty="0" smtClean="0">
+                <a:solidFill>
+                  <a:srgbClr val="00B050"/>
+                </a:solidFill>
+                <a:latin typeface="Courier New" pitchFamily="49" charset="0"/>
+                <a:cs typeface="Courier New" pitchFamily="49" charset="0"/>
+              </a:rPr>
+              <a:t>-</a:t>
+            </a:r>
+            <a:r>
+              <a:rPr lang="en-US" sz="1100" baseline="30000" dirty="0" smtClean="0">
+                <a:latin typeface="Courier New" pitchFamily="49" charset="0"/>
+                <a:cs typeface="Courier New" pitchFamily="49" charset="0"/>
+              </a:rPr>
+              <a:t>	</a:t>
+            </a:r>
+          </a:p>
+          <a:p>
+            <a:pPr>
+              <a:tabLst>
+                <a:tab pos="1084263" algn="l"/>
+                <a:tab pos="2743200" algn="l"/>
+                <a:tab pos="4229100" algn="l"/>
+                <a:tab pos="5543550" algn="l"/>
+                <a:tab pos="7029450" algn="l"/>
+                <a:tab pos="8229600" algn="l"/>
+              </a:tabLst>
+            </a:pPr>
+            <a:r>
+              <a:rPr lang="en-US" sz="1100" dirty="0" smtClean="0">
+                <a:latin typeface="Courier New" pitchFamily="49" charset="0"/>
+                <a:cs typeface="Courier New" pitchFamily="49" charset="0"/>
+              </a:rPr>
+              <a:t>bond/cell:	</a:t>
+            </a:r>
+            <a:r>
+              <a:rPr lang="en-US" sz="1100" dirty="0">
+                <a:latin typeface="Courier New" pitchFamily="49" charset="0"/>
+                <a:cs typeface="Courier New" pitchFamily="49" charset="0"/>
+              </a:rPr>
+              <a:t>3</a:t>
+            </a:r>
+            <a:r>
+              <a:rPr lang="en-US" sz="1100" dirty="0" smtClean="0">
+                <a:latin typeface="Courier New" pitchFamily="49" charset="0"/>
+                <a:cs typeface="Courier New" pitchFamily="49" charset="0"/>
+              </a:rPr>
+              <a:t>	3</a:t>
+            </a:r>
+            <a:endParaRPr lang="en-US" sz="1100" baseline="-25000" dirty="0">
+              <a:latin typeface="Courier New" pitchFamily="49" charset="0"/>
+              <a:cs typeface="Courier New" pitchFamily="49" charset="0"/>
+            </a:endParaRPr>
           </a:p>
         </p:txBody>
       </p:sp>
